--- a/Proyecto SMR/Sprint 3/Prototipos-Sprint-3-13-24-jul.pptx
+++ b/Proyecto SMR/Sprint 3/Prototipos-Sprint-3-13-24-jul.pptx
@@ -7052,7 +7052,7 @@
             <a:pPr algn="just"/>
             <a:r>
               <a:rPr lang="es-MX" dirty="0"/>
-              <a:t>Cada vez que el usuario reciba una nueva notificación de mensaje, este l dar clic sobre la notificación se trasladara al panel de editor de calendario.</a:t>
+              <a:t>Cada vez que el usuario reciba una nueva notificación de mensaje, este al dar clic sobre la notificación se trasladara al panel de editor de calendario.</a:t>
             </a:r>
           </a:p>
         </p:txBody>
